--- a/ws/WS Design Docs/Push_Listing.pptx
+++ b/ws/WS Design Docs/Push_Listing.pptx
@@ -294,7 +294,8 @@
           <a:p>
             <a:fld id="{E8FEF496-5FF7-4E7C-933F-AADE5EAB5F02}" type="datetimeFigureOut">
               <a:rPr lang="en-US" smtClean="0"/>
-              <a:t>7/12/2013</a:t>
+              <a:pPr/>
+              <a:t>17/Aug/13</a:t>
             </a:fld>
             <a:endParaRPr lang="en-US"/>
           </a:p>
@@ -336,6 +337,7 @@
           <a:p>
             <a:fld id="{BE56BC1C-B790-4145-A1F6-357F3A87987B}" type="slidenum">
               <a:rPr lang="en-US" smtClean="0"/>
+              <a:pPr/>
               <a:t>‹#›</a:t>
             </a:fld>
             <a:endParaRPr lang="en-US"/>
@@ -345,7 +347,7 @@
     </p:spTree>
     <p:extLst>
       <p:ext uri="{BB962C8B-B14F-4D97-AF65-F5344CB8AC3E}">
-        <p14:creationId xmlns:p14="http://schemas.microsoft.com/office/powerpoint/2010/main" val="863273398"/>
+        <p14:creationId xmlns:p14="http://schemas.microsoft.com/office/powerpoint/2010/main" xmlns="" val="863273398"/>
       </p:ext>
     </p:extLst>
   </p:cSld>
@@ -464,7 +466,8 @@
           <a:p>
             <a:fld id="{E8FEF496-5FF7-4E7C-933F-AADE5EAB5F02}" type="datetimeFigureOut">
               <a:rPr lang="en-US" smtClean="0"/>
-              <a:t>7/12/2013</a:t>
+              <a:pPr/>
+              <a:t>17/Aug/13</a:t>
             </a:fld>
             <a:endParaRPr lang="en-US"/>
           </a:p>
@@ -506,6 +509,7 @@
           <a:p>
             <a:fld id="{BE56BC1C-B790-4145-A1F6-357F3A87987B}" type="slidenum">
               <a:rPr lang="en-US" smtClean="0"/>
+              <a:pPr/>
               <a:t>‹#›</a:t>
             </a:fld>
             <a:endParaRPr lang="en-US"/>
@@ -515,7 +519,7 @@
     </p:spTree>
     <p:extLst>
       <p:ext uri="{BB962C8B-B14F-4D97-AF65-F5344CB8AC3E}">
-        <p14:creationId xmlns:p14="http://schemas.microsoft.com/office/powerpoint/2010/main" val="1608536501"/>
+        <p14:creationId xmlns:p14="http://schemas.microsoft.com/office/powerpoint/2010/main" xmlns="" val="1608536501"/>
       </p:ext>
     </p:extLst>
   </p:cSld>
@@ -644,7 +648,8 @@
           <a:p>
             <a:fld id="{E8FEF496-5FF7-4E7C-933F-AADE5EAB5F02}" type="datetimeFigureOut">
               <a:rPr lang="en-US" smtClean="0"/>
-              <a:t>7/12/2013</a:t>
+              <a:pPr/>
+              <a:t>17/Aug/13</a:t>
             </a:fld>
             <a:endParaRPr lang="en-US"/>
           </a:p>
@@ -686,6 +691,7 @@
           <a:p>
             <a:fld id="{BE56BC1C-B790-4145-A1F6-357F3A87987B}" type="slidenum">
               <a:rPr lang="en-US" smtClean="0"/>
+              <a:pPr/>
               <a:t>‹#›</a:t>
             </a:fld>
             <a:endParaRPr lang="en-US"/>
@@ -695,7 +701,7 @@
     </p:spTree>
     <p:extLst>
       <p:ext uri="{BB962C8B-B14F-4D97-AF65-F5344CB8AC3E}">
-        <p14:creationId xmlns:p14="http://schemas.microsoft.com/office/powerpoint/2010/main" val="1875824078"/>
+        <p14:creationId xmlns:p14="http://schemas.microsoft.com/office/powerpoint/2010/main" xmlns="" val="1875824078"/>
       </p:ext>
     </p:extLst>
   </p:cSld>
@@ -814,7 +820,8 @@
           <a:p>
             <a:fld id="{E8FEF496-5FF7-4E7C-933F-AADE5EAB5F02}" type="datetimeFigureOut">
               <a:rPr lang="en-US" smtClean="0"/>
-              <a:t>7/12/2013</a:t>
+              <a:pPr/>
+              <a:t>17/Aug/13</a:t>
             </a:fld>
             <a:endParaRPr lang="en-US"/>
           </a:p>
@@ -856,6 +863,7 @@
           <a:p>
             <a:fld id="{BE56BC1C-B790-4145-A1F6-357F3A87987B}" type="slidenum">
               <a:rPr lang="en-US" smtClean="0"/>
+              <a:pPr/>
               <a:t>‹#›</a:t>
             </a:fld>
             <a:endParaRPr lang="en-US"/>
@@ -865,7 +873,7 @@
     </p:spTree>
     <p:extLst>
       <p:ext uri="{BB962C8B-B14F-4D97-AF65-F5344CB8AC3E}">
-        <p14:creationId xmlns:p14="http://schemas.microsoft.com/office/powerpoint/2010/main" val="1309898220"/>
+        <p14:creationId xmlns:p14="http://schemas.microsoft.com/office/powerpoint/2010/main" xmlns="" val="1309898220"/>
       </p:ext>
     </p:extLst>
   </p:cSld>
@@ -1060,7 +1068,8 @@
           <a:p>
             <a:fld id="{E8FEF496-5FF7-4E7C-933F-AADE5EAB5F02}" type="datetimeFigureOut">
               <a:rPr lang="en-US" smtClean="0"/>
-              <a:t>7/12/2013</a:t>
+              <a:pPr/>
+              <a:t>17/Aug/13</a:t>
             </a:fld>
             <a:endParaRPr lang="en-US"/>
           </a:p>
@@ -1102,6 +1111,7 @@
           <a:p>
             <a:fld id="{BE56BC1C-B790-4145-A1F6-357F3A87987B}" type="slidenum">
               <a:rPr lang="en-US" smtClean="0"/>
+              <a:pPr/>
               <a:t>‹#›</a:t>
             </a:fld>
             <a:endParaRPr lang="en-US"/>
@@ -1111,7 +1121,7 @@
     </p:spTree>
     <p:extLst>
       <p:ext uri="{BB962C8B-B14F-4D97-AF65-F5344CB8AC3E}">
-        <p14:creationId xmlns:p14="http://schemas.microsoft.com/office/powerpoint/2010/main" val="4014934550"/>
+        <p14:creationId xmlns:p14="http://schemas.microsoft.com/office/powerpoint/2010/main" xmlns="" val="4014934550"/>
       </p:ext>
     </p:extLst>
   </p:cSld>
@@ -1348,7 +1358,8 @@
           <a:p>
             <a:fld id="{E8FEF496-5FF7-4E7C-933F-AADE5EAB5F02}" type="datetimeFigureOut">
               <a:rPr lang="en-US" smtClean="0"/>
-              <a:t>7/12/2013</a:t>
+              <a:pPr/>
+              <a:t>17/Aug/13</a:t>
             </a:fld>
             <a:endParaRPr lang="en-US"/>
           </a:p>
@@ -1390,6 +1401,7 @@
           <a:p>
             <a:fld id="{BE56BC1C-B790-4145-A1F6-357F3A87987B}" type="slidenum">
               <a:rPr lang="en-US" smtClean="0"/>
+              <a:pPr/>
               <a:t>‹#›</a:t>
             </a:fld>
             <a:endParaRPr lang="en-US"/>
@@ -1399,7 +1411,7 @@
     </p:spTree>
     <p:extLst>
       <p:ext uri="{BB962C8B-B14F-4D97-AF65-F5344CB8AC3E}">
-        <p14:creationId xmlns:p14="http://schemas.microsoft.com/office/powerpoint/2010/main" val="914859253"/>
+        <p14:creationId xmlns:p14="http://schemas.microsoft.com/office/powerpoint/2010/main" xmlns="" val="914859253"/>
       </p:ext>
     </p:extLst>
   </p:cSld>
@@ -1770,7 +1782,8 @@
           <a:p>
             <a:fld id="{E8FEF496-5FF7-4E7C-933F-AADE5EAB5F02}" type="datetimeFigureOut">
               <a:rPr lang="en-US" smtClean="0"/>
-              <a:t>7/12/2013</a:t>
+              <a:pPr/>
+              <a:t>17/Aug/13</a:t>
             </a:fld>
             <a:endParaRPr lang="en-US"/>
           </a:p>
@@ -1812,6 +1825,7 @@
           <a:p>
             <a:fld id="{BE56BC1C-B790-4145-A1F6-357F3A87987B}" type="slidenum">
               <a:rPr lang="en-US" smtClean="0"/>
+              <a:pPr/>
               <a:t>‹#›</a:t>
             </a:fld>
             <a:endParaRPr lang="en-US"/>
@@ -1821,7 +1835,7 @@
     </p:spTree>
     <p:extLst>
       <p:ext uri="{BB962C8B-B14F-4D97-AF65-F5344CB8AC3E}">
-        <p14:creationId xmlns:p14="http://schemas.microsoft.com/office/powerpoint/2010/main" val="847989332"/>
+        <p14:creationId xmlns:p14="http://schemas.microsoft.com/office/powerpoint/2010/main" xmlns="" val="847989332"/>
       </p:ext>
     </p:extLst>
   </p:cSld>
@@ -1888,7 +1902,8 @@
           <a:p>
             <a:fld id="{E8FEF496-5FF7-4E7C-933F-AADE5EAB5F02}" type="datetimeFigureOut">
               <a:rPr lang="en-US" smtClean="0"/>
-              <a:t>7/12/2013</a:t>
+              <a:pPr/>
+              <a:t>17/Aug/13</a:t>
             </a:fld>
             <a:endParaRPr lang="en-US"/>
           </a:p>
@@ -1930,6 +1945,7 @@
           <a:p>
             <a:fld id="{BE56BC1C-B790-4145-A1F6-357F3A87987B}" type="slidenum">
               <a:rPr lang="en-US" smtClean="0"/>
+              <a:pPr/>
               <a:t>‹#›</a:t>
             </a:fld>
             <a:endParaRPr lang="en-US"/>
@@ -1939,7 +1955,7 @@
     </p:spTree>
     <p:extLst>
       <p:ext uri="{BB962C8B-B14F-4D97-AF65-F5344CB8AC3E}">
-        <p14:creationId xmlns:p14="http://schemas.microsoft.com/office/powerpoint/2010/main" val="3652498383"/>
+        <p14:creationId xmlns:p14="http://schemas.microsoft.com/office/powerpoint/2010/main" xmlns="" val="3652498383"/>
       </p:ext>
     </p:extLst>
   </p:cSld>
@@ -1983,7 +1999,8 @@
           <a:p>
             <a:fld id="{E8FEF496-5FF7-4E7C-933F-AADE5EAB5F02}" type="datetimeFigureOut">
               <a:rPr lang="en-US" smtClean="0"/>
-              <a:t>7/12/2013</a:t>
+              <a:pPr/>
+              <a:t>17/Aug/13</a:t>
             </a:fld>
             <a:endParaRPr lang="en-US"/>
           </a:p>
@@ -2025,6 +2042,7 @@
           <a:p>
             <a:fld id="{BE56BC1C-B790-4145-A1F6-357F3A87987B}" type="slidenum">
               <a:rPr lang="en-US" smtClean="0"/>
+              <a:pPr/>
               <a:t>‹#›</a:t>
             </a:fld>
             <a:endParaRPr lang="en-US"/>
@@ -2034,7 +2052,7 @@
     </p:spTree>
     <p:extLst>
       <p:ext uri="{BB962C8B-B14F-4D97-AF65-F5344CB8AC3E}">
-        <p14:creationId xmlns:p14="http://schemas.microsoft.com/office/powerpoint/2010/main" val="3206271424"/>
+        <p14:creationId xmlns:p14="http://schemas.microsoft.com/office/powerpoint/2010/main" xmlns="" val="3206271424"/>
       </p:ext>
     </p:extLst>
   </p:cSld>
@@ -2260,7 +2278,8 @@
           <a:p>
             <a:fld id="{E8FEF496-5FF7-4E7C-933F-AADE5EAB5F02}" type="datetimeFigureOut">
               <a:rPr lang="en-US" smtClean="0"/>
-              <a:t>7/12/2013</a:t>
+              <a:pPr/>
+              <a:t>17/Aug/13</a:t>
             </a:fld>
             <a:endParaRPr lang="en-US"/>
           </a:p>
@@ -2302,6 +2321,7 @@
           <a:p>
             <a:fld id="{BE56BC1C-B790-4145-A1F6-357F3A87987B}" type="slidenum">
               <a:rPr lang="en-US" smtClean="0"/>
+              <a:pPr/>
               <a:t>‹#›</a:t>
             </a:fld>
             <a:endParaRPr lang="en-US"/>
@@ -2311,7 +2331,7 @@
     </p:spTree>
     <p:extLst>
       <p:ext uri="{BB962C8B-B14F-4D97-AF65-F5344CB8AC3E}">
-        <p14:creationId xmlns:p14="http://schemas.microsoft.com/office/powerpoint/2010/main" val="281851014"/>
+        <p14:creationId xmlns:p14="http://schemas.microsoft.com/office/powerpoint/2010/main" xmlns="" val="281851014"/>
       </p:ext>
     </p:extLst>
   </p:cSld>
@@ -2513,7 +2533,8 @@
           <a:p>
             <a:fld id="{E8FEF496-5FF7-4E7C-933F-AADE5EAB5F02}" type="datetimeFigureOut">
               <a:rPr lang="en-US" smtClean="0"/>
-              <a:t>7/12/2013</a:t>
+              <a:pPr/>
+              <a:t>17/Aug/13</a:t>
             </a:fld>
             <a:endParaRPr lang="en-US"/>
           </a:p>
@@ -2555,6 +2576,7 @@
           <a:p>
             <a:fld id="{BE56BC1C-B790-4145-A1F6-357F3A87987B}" type="slidenum">
               <a:rPr lang="en-US" smtClean="0"/>
+              <a:pPr/>
               <a:t>‹#›</a:t>
             </a:fld>
             <a:endParaRPr lang="en-US"/>
@@ -2564,7 +2586,7 @@
     </p:spTree>
     <p:extLst>
       <p:ext uri="{BB962C8B-B14F-4D97-AF65-F5344CB8AC3E}">
-        <p14:creationId xmlns:p14="http://schemas.microsoft.com/office/powerpoint/2010/main" val="3533070672"/>
+        <p14:creationId xmlns:p14="http://schemas.microsoft.com/office/powerpoint/2010/main" xmlns="" val="3533070672"/>
       </p:ext>
     </p:extLst>
   </p:cSld>
@@ -2726,7 +2748,8 @@
           <a:p>
             <a:fld id="{E8FEF496-5FF7-4E7C-933F-AADE5EAB5F02}" type="datetimeFigureOut">
               <a:rPr lang="en-US" smtClean="0"/>
-              <a:t>7/12/2013</a:t>
+              <a:pPr/>
+              <a:t>17/Aug/13</a:t>
             </a:fld>
             <a:endParaRPr lang="en-US"/>
           </a:p>
@@ -2804,6 +2827,7 @@
           <a:p>
             <a:fld id="{BE56BC1C-B790-4145-A1F6-357F3A87987B}" type="slidenum">
               <a:rPr lang="en-US" smtClean="0"/>
+              <a:pPr/>
               <a:t>‹#›</a:t>
             </a:fld>
             <a:endParaRPr lang="en-US"/>
@@ -2813,7 +2837,7 @@
     </p:spTree>
     <p:extLst>
       <p:ext uri="{BB962C8B-B14F-4D97-AF65-F5344CB8AC3E}">
-        <p14:creationId xmlns:p14="http://schemas.microsoft.com/office/powerpoint/2010/main" val="3595905771"/>
+        <p14:creationId xmlns:p14="http://schemas.microsoft.com/office/powerpoint/2010/main" xmlns="" val="3595905771"/>
       </p:ext>
     </p:extLst>
   </p:cSld>
@@ -3177,7 +3201,7 @@
     </p:spTree>
     <p:extLst>
       <p:ext uri="{BB962C8B-B14F-4D97-AF65-F5344CB8AC3E}">
-        <p14:creationId xmlns:p14="http://schemas.microsoft.com/office/powerpoint/2010/main" val="2584521811"/>
+        <p14:creationId xmlns:p14="http://schemas.microsoft.com/office/powerpoint/2010/main" xmlns="" val="2584521811"/>
       </p:ext>
     </p:extLst>
   </p:cSld>
@@ -3253,15 +3277,7 @@
           <a:p>
             <a:r>
               <a:rPr lang="en-US" dirty="0" smtClean="0"/>
-              <a:t>When </a:t>
-            </a:r>
-            <a:r>
-              <a:rPr lang="en-US" dirty="0" smtClean="0"/>
-              <a:t>I </a:t>
-            </a:r>
-            <a:r>
-              <a:rPr lang="en-US" dirty="0" smtClean="0"/>
-              <a:t>receive a restaurant recommendation request</a:t>
+              <a:t>When I receive a restaurant recommendation request</a:t>
             </a:r>
           </a:p>
           <a:p>
@@ -3298,7 +3314,7 @@
     </p:spTree>
     <p:extLst>
       <p:ext uri="{BB962C8B-B14F-4D97-AF65-F5344CB8AC3E}">
-        <p14:creationId xmlns:p14="http://schemas.microsoft.com/office/powerpoint/2010/main" val="1541809410"/>
+        <p14:creationId xmlns:p14="http://schemas.microsoft.com/office/powerpoint/2010/main" xmlns="" val="1541809410"/>
       </p:ext>
     </p:extLst>
   </p:cSld>
@@ -3400,7 +3416,7 @@
             </a:r>
             <a:r>
               <a:rPr lang="en-US" dirty="0" smtClean="0"/>
-              <a:t>= </a:t>
+              <a:t> = </a:t>
             </a:r>
             <a:r>
               <a:rPr lang="en-US" dirty="0" err="1" smtClean="0"/>
@@ -3507,7 +3523,7 @@
     </p:spTree>
     <p:extLst>
       <p:ext uri="{BB962C8B-B14F-4D97-AF65-F5344CB8AC3E}">
-        <p14:creationId xmlns:p14="http://schemas.microsoft.com/office/powerpoint/2010/main" val="3643889413"/>
+        <p14:creationId xmlns:p14="http://schemas.microsoft.com/office/powerpoint/2010/main" xmlns="" val="3643889413"/>
       </p:ext>
     </p:extLst>
   </p:cSld>
@@ -3673,7 +3689,7 @@
     </p:spTree>
     <p:extLst>
       <p:ext uri="{BB962C8B-B14F-4D97-AF65-F5344CB8AC3E}">
-        <p14:creationId xmlns:p14="http://schemas.microsoft.com/office/powerpoint/2010/main" val="1661019076"/>
+        <p14:creationId xmlns:p14="http://schemas.microsoft.com/office/powerpoint/2010/main" xmlns="" val="1661019076"/>
       </p:ext>
     </p:extLst>
   </p:cSld>
@@ -3769,13 +3785,21 @@
         <p:spPr/>
         <p:txBody>
           <a:bodyPr>
-            <a:normAutofit lnSpcReduction="10000"/>
+            <a:normAutofit fontScale="92500"/>
           </a:bodyPr>
           <a:lstStyle/>
           <a:p>
             <a:r>
               <a:rPr lang="en-US" dirty="0" smtClean="0"/>
-              <a:t>Whenever we add a new row to the table </a:t>
+              <a:t>Push </a:t>
+            </a:r>
+            <a:r>
+              <a:rPr lang="en-US" dirty="0" err="1" smtClean="0"/>
+              <a:t>meWhenever</a:t>
+            </a:r>
+            <a:r>
+              <a:rPr lang="en-US" dirty="0" smtClean="0"/>
+              <a:t> we add a new row to the table </a:t>
             </a:r>
             <a:r>
               <a:rPr lang="en-US" dirty="0" err="1" smtClean="0"/>
@@ -3809,9 +3833,10 @@
           </a:p>
           <a:p>
             <a:r>
-              <a:rPr lang="en-US" dirty="0" smtClean="0"/>
-              <a:t>Push message</a:t>
-            </a:r>
+              <a:rPr lang="en-US" dirty="0" err="1" smtClean="0"/>
+              <a:t>ssage</a:t>
+            </a:r>
+            <a:endParaRPr lang="en-US" dirty="0" smtClean="0"/>
           </a:p>
           <a:p>
             <a:pPr lvl="1"/>
@@ -3854,7 +3879,7 @@
     </p:spTree>
     <p:extLst>
       <p:ext uri="{BB962C8B-B14F-4D97-AF65-F5344CB8AC3E}">
-        <p14:creationId xmlns:p14="http://schemas.microsoft.com/office/powerpoint/2010/main" val="57049110"/>
+        <p14:creationId xmlns:p14="http://schemas.microsoft.com/office/powerpoint/2010/main" xmlns="" val="57049110"/>
       </p:ext>
     </p:extLst>
   </p:cSld>
@@ -4083,7 +4108,7 @@
     </p:spTree>
     <p:extLst>
       <p:ext uri="{BB962C8B-B14F-4D97-AF65-F5344CB8AC3E}">
-        <p14:creationId xmlns:p14="http://schemas.microsoft.com/office/powerpoint/2010/main" val="1099203069"/>
+        <p14:creationId xmlns:p14="http://schemas.microsoft.com/office/powerpoint/2010/main" xmlns="" val="1099203069"/>
       </p:ext>
     </p:extLst>
   </p:cSld>
@@ -4258,7 +4283,7 @@
     </p:spTree>
     <p:extLst>
       <p:ext uri="{BB962C8B-B14F-4D97-AF65-F5344CB8AC3E}">
-        <p14:creationId xmlns:p14="http://schemas.microsoft.com/office/powerpoint/2010/main" val="922638366"/>
+        <p14:creationId xmlns:p14="http://schemas.microsoft.com/office/powerpoint/2010/main" xmlns="" val="922638366"/>
       </p:ext>
     </p:extLst>
   </p:cSld>
